--- a/8.10.1/UPDATE/ITEM_2/attachment/RADoc_20210505.pptx
+++ b/8.10.1/UPDATE/ITEM_2/attachment/RADoc_20210505.pptx
@@ -272,7 +272,7 @@
           <a:p>
             <a:fld id="{CA0B7826-E37D-4054-9310-53E19E92A857}" type="datetimeFigureOut">
               <a:rPr lang="zh-TW" altLang="en-US" smtClean="0"/>
-              <a:t>2021/5/6</a:t>
+              <a:t>2021/5/7</a:t>
             </a:fld>
             <a:endParaRPr lang="zh-TW" altLang="en-US"/>
           </a:p>
@@ -442,7 +442,7 @@
           <a:p>
             <a:fld id="{CA0B7826-E37D-4054-9310-53E19E92A857}" type="datetimeFigureOut">
               <a:rPr lang="zh-TW" altLang="en-US" smtClean="0"/>
-              <a:t>2021/5/6</a:t>
+              <a:t>2021/5/7</a:t>
             </a:fld>
             <a:endParaRPr lang="zh-TW" altLang="en-US"/>
           </a:p>
@@ -622,7 +622,7 @@
           <a:p>
             <a:fld id="{CA0B7826-E37D-4054-9310-53E19E92A857}" type="datetimeFigureOut">
               <a:rPr lang="zh-TW" altLang="en-US" smtClean="0"/>
-              <a:t>2021/5/6</a:t>
+              <a:t>2021/5/7</a:t>
             </a:fld>
             <a:endParaRPr lang="zh-TW" altLang="en-US"/>
           </a:p>
@@ -792,7 +792,7 @@
           <a:p>
             <a:fld id="{CA0B7826-E37D-4054-9310-53E19E92A857}" type="datetimeFigureOut">
               <a:rPr lang="zh-TW" altLang="en-US" smtClean="0"/>
-              <a:t>2021/5/6</a:t>
+              <a:t>2021/5/7</a:t>
             </a:fld>
             <a:endParaRPr lang="zh-TW" altLang="en-US"/>
           </a:p>
@@ -1038,7 +1038,7 @@
           <a:p>
             <a:fld id="{CA0B7826-E37D-4054-9310-53E19E92A857}" type="datetimeFigureOut">
               <a:rPr lang="zh-TW" altLang="en-US" smtClean="0"/>
-              <a:t>2021/5/6</a:t>
+              <a:t>2021/5/7</a:t>
             </a:fld>
             <a:endParaRPr lang="zh-TW" altLang="en-US"/>
           </a:p>
@@ -1270,7 +1270,7 @@
           <a:p>
             <a:fld id="{CA0B7826-E37D-4054-9310-53E19E92A857}" type="datetimeFigureOut">
               <a:rPr lang="zh-TW" altLang="en-US" smtClean="0"/>
-              <a:t>2021/5/6</a:t>
+              <a:t>2021/5/7</a:t>
             </a:fld>
             <a:endParaRPr lang="zh-TW" altLang="en-US"/>
           </a:p>
@@ -1637,7 +1637,7 @@
           <a:p>
             <a:fld id="{CA0B7826-E37D-4054-9310-53E19E92A857}" type="datetimeFigureOut">
               <a:rPr lang="zh-TW" altLang="en-US" smtClean="0"/>
-              <a:t>2021/5/6</a:t>
+              <a:t>2021/5/7</a:t>
             </a:fld>
             <a:endParaRPr lang="zh-TW" altLang="en-US"/>
           </a:p>
@@ -1755,7 +1755,7 @@
           <a:p>
             <a:fld id="{CA0B7826-E37D-4054-9310-53E19E92A857}" type="datetimeFigureOut">
               <a:rPr lang="zh-TW" altLang="en-US" smtClean="0"/>
-              <a:t>2021/5/6</a:t>
+              <a:t>2021/5/7</a:t>
             </a:fld>
             <a:endParaRPr lang="zh-TW" altLang="en-US"/>
           </a:p>
@@ -1850,7 +1850,7 @@
           <a:p>
             <a:fld id="{CA0B7826-E37D-4054-9310-53E19E92A857}" type="datetimeFigureOut">
               <a:rPr lang="zh-TW" altLang="en-US" smtClean="0"/>
-              <a:t>2021/5/6</a:t>
+              <a:t>2021/5/7</a:t>
             </a:fld>
             <a:endParaRPr lang="zh-TW" altLang="en-US"/>
           </a:p>
@@ -2127,7 +2127,7 @@
           <a:p>
             <a:fld id="{CA0B7826-E37D-4054-9310-53E19E92A857}" type="datetimeFigureOut">
               <a:rPr lang="zh-TW" altLang="en-US" smtClean="0"/>
-              <a:t>2021/5/6</a:t>
+              <a:t>2021/5/7</a:t>
             </a:fld>
             <a:endParaRPr lang="zh-TW" altLang="en-US"/>
           </a:p>
@@ -2380,7 +2380,7 @@
           <a:p>
             <a:fld id="{CA0B7826-E37D-4054-9310-53E19E92A857}" type="datetimeFigureOut">
               <a:rPr lang="zh-TW" altLang="en-US" smtClean="0"/>
-              <a:t>2021/5/6</a:t>
+              <a:t>2021/5/7</a:t>
             </a:fld>
             <a:endParaRPr lang="zh-TW" altLang="en-US"/>
           </a:p>
@@ -2593,7 +2593,7 @@
           <a:p>
             <a:fld id="{CA0B7826-E37D-4054-9310-53E19E92A857}" type="datetimeFigureOut">
               <a:rPr lang="zh-TW" altLang="en-US" smtClean="0"/>
-              <a:t>2021/5/6</a:t>
+              <a:t>2021/5/7</a:t>
             </a:fld>
             <a:endParaRPr lang="zh-TW" altLang="en-US"/>
           </a:p>
@@ -3003,7 +3003,7 @@
           <p:cNvPr id="4" name="文字方塊 3">
             <a:extLst>
               <a:ext uri="{FF2B5EF4-FFF2-40B4-BE49-F238E27FC236}">
-                <a16:creationId xmlns:a16="http://schemas.microsoft.com/office/drawing/2014/main" xmlns="" id="{3C4F5073-F13A-4770-ADBA-44566E879108}"/>
+                <a16:creationId xmlns="" xmlns:a16="http://schemas.microsoft.com/office/drawing/2014/main" id="{3C4F5073-F13A-4770-ADBA-44566E879108}"/>
               </a:ext>
             </a:extLst>
           </p:cNvPr>
@@ -3396,7 +3396,7 @@
           <p:cNvPr id="5" name="文字方塊 4">
             <a:extLst>
               <a:ext uri="{FF2B5EF4-FFF2-40B4-BE49-F238E27FC236}">
-                <a16:creationId xmlns:a16="http://schemas.microsoft.com/office/drawing/2014/main" xmlns="" id="{3C4F5073-F13A-4770-ADBA-44566E879108}"/>
+                <a16:creationId xmlns="" xmlns:a16="http://schemas.microsoft.com/office/drawing/2014/main" id="{3C4F5073-F13A-4770-ADBA-44566E879108}"/>
               </a:ext>
             </a:extLst>
           </p:cNvPr>
@@ -3513,7 +3513,14 @@
                 <a:latin typeface="微軟正黑體" panose="020B0604030504040204" pitchFamily="34" charset="-120"/>
                 <a:ea typeface="微軟正黑體" panose="020B0604030504040204" pitchFamily="34" charset="-120"/>
               </a:rPr>
-              <a:t>移除權責單位表格</a:t>
+              <a:t>移除權責單位</a:t>
+            </a:r>
+            <a:r>
+              <a:rPr lang="zh-TW" altLang="en-US" sz="1400" dirty="0" smtClean="0">
+                <a:latin typeface="微軟正黑體" panose="020B0604030504040204" pitchFamily="34" charset="-120"/>
+                <a:ea typeface="微軟正黑體" panose="020B0604030504040204" pitchFamily="34" charset="-120"/>
+              </a:rPr>
+              <a:t>表格、目的功能</a:t>
             </a:r>
             <a:endParaRPr lang="en-US" altLang="zh-TW" sz="1400" dirty="0" smtClean="0">
               <a:latin typeface="微軟正黑體" panose="020B0604030504040204" pitchFamily="34" charset="-120"/>
@@ -3579,7 +3586,7 @@
       </p:sp>
       <p:pic>
         <p:nvPicPr>
-          <p:cNvPr id="2" name="圖片 1"/>
+          <p:cNvPr id="4" name="圖片 3"/>
           <p:cNvPicPr>
             <a:picLocks noChangeAspect="1"/>
           </p:cNvPicPr>
@@ -3599,7 +3606,7 @@
         </p:blipFill>
         <p:spPr>
           <a:xfrm>
-            <a:off x="133462" y="542261"/>
+            <a:off x="110952" y="486032"/>
             <a:ext cx="8033299" cy="5760000"/>
           </a:xfrm>
           <a:prstGeom prst="rect">
@@ -3649,7 +3656,7 @@
           <p:cNvPr id="4" name="文字方塊 3">
             <a:extLst>
               <a:ext uri="{FF2B5EF4-FFF2-40B4-BE49-F238E27FC236}">
-                <a16:creationId xmlns:a16="http://schemas.microsoft.com/office/drawing/2014/main" xmlns="" id="{3C4F5073-F13A-4770-ADBA-44566E879108}"/>
+                <a16:creationId xmlns="" xmlns:a16="http://schemas.microsoft.com/office/drawing/2014/main" id="{3C4F5073-F13A-4770-ADBA-44566E879108}"/>
               </a:ext>
             </a:extLst>
           </p:cNvPr>
@@ -4195,7 +4202,7 @@
           <p:cNvPr id="5" name="文字方塊 4">
             <a:extLst>
               <a:ext uri="{FF2B5EF4-FFF2-40B4-BE49-F238E27FC236}">
-                <a16:creationId xmlns:a16="http://schemas.microsoft.com/office/drawing/2014/main" xmlns="" id="{3C4F5073-F13A-4770-ADBA-44566E879108}"/>
+                <a16:creationId xmlns="" xmlns:a16="http://schemas.microsoft.com/office/drawing/2014/main" id="{3C4F5073-F13A-4770-ADBA-44566E879108}"/>
               </a:ext>
             </a:extLst>
           </p:cNvPr>
@@ -4413,7 +4420,7 @@
           <p:cNvPr id="4" name="文字方塊 3">
             <a:extLst>
               <a:ext uri="{FF2B5EF4-FFF2-40B4-BE49-F238E27FC236}">
-                <a16:creationId xmlns:a16="http://schemas.microsoft.com/office/drawing/2014/main" xmlns="" id="{3C4F5073-F13A-4770-ADBA-44566E879108}"/>
+                <a16:creationId xmlns="" xmlns:a16="http://schemas.microsoft.com/office/drawing/2014/main" id="{3C4F5073-F13A-4770-ADBA-44566E879108}"/>
               </a:ext>
             </a:extLst>
           </p:cNvPr>
@@ -4774,7 +4781,7 @@
           <p:cNvPr id="4" name="文字方塊 3">
             <a:extLst>
               <a:ext uri="{FF2B5EF4-FFF2-40B4-BE49-F238E27FC236}">
-                <a16:creationId xmlns:a16="http://schemas.microsoft.com/office/drawing/2014/main" xmlns="" id="{3C4F5073-F13A-4770-ADBA-44566E879108}"/>
+                <a16:creationId xmlns="" xmlns:a16="http://schemas.microsoft.com/office/drawing/2014/main" id="{3C4F5073-F13A-4770-ADBA-44566E879108}"/>
               </a:ext>
             </a:extLst>
           </p:cNvPr>
@@ -4829,7 +4836,27 @@
                 <a:latin typeface="微軟正黑體" panose="020B0604030504040204" pitchFamily="34" charset="-120"/>
                 <a:ea typeface="微軟正黑體" panose="020B0604030504040204" pitchFamily="34" charset="-120"/>
               </a:rPr>
-              <a:t>文字標題</a:t>
+              <a:t>文字</a:t>
+            </a:r>
+            <a:r>
+              <a:rPr lang="zh-TW" altLang="en-US" dirty="0" smtClean="0">
+                <a:solidFill>
+                  <a:srgbClr val="0070C0"/>
+                </a:solidFill>
+                <a:latin typeface="微軟正黑體" panose="020B0604030504040204" pitchFamily="34" charset="-120"/>
+                <a:ea typeface="微軟正黑體" panose="020B0604030504040204" pitchFamily="34" charset="-120"/>
+              </a:rPr>
+              <a:t>標題</a:t>
+            </a:r>
+            <a:r>
+              <a:rPr lang="zh-TW" altLang="en-US" dirty="0" smtClean="0">
+                <a:solidFill>
+                  <a:srgbClr val="0070C0"/>
+                </a:solidFill>
+                <a:latin typeface="微軟正黑體" panose="020B0604030504040204" pitchFamily="34" charset="-120"/>
+                <a:ea typeface="微軟正黑體" panose="020B0604030504040204" pitchFamily="34" charset="-120"/>
+              </a:rPr>
+              <a:t>、框線</a:t>
             </a:r>
             <a:r>
               <a:rPr lang="en-US" altLang="zh-TW" dirty="0" smtClean="0">
@@ -4995,7 +5022,7 @@
           <p:cNvPr id="4" name="文字方塊 3">
             <a:extLst>
               <a:ext uri="{FF2B5EF4-FFF2-40B4-BE49-F238E27FC236}">
-                <a16:creationId xmlns:a16="http://schemas.microsoft.com/office/drawing/2014/main" xmlns="" id="{3C4F5073-F13A-4770-ADBA-44566E879108}"/>
+                <a16:creationId xmlns="" xmlns:a16="http://schemas.microsoft.com/office/drawing/2014/main" id="{3C4F5073-F13A-4770-ADBA-44566E879108}"/>
               </a:ext>
             </a:extLst>
           </p:cNvPr>
@@ -5111,7 +5138,7 @@
         <p:spPr>
           <a:xfrm>
             <a:off x="8260738" y="856584"/>
-            <a:ext cx="3970959" cy="2246769"/>
+            <a:ext cx="3926075" cy="2462213"/>
           </a:xfrm>
           <a:prstGeom prst="rect">
             <a:avLst/>
@@ -5294,13 +5321,89 @@
               </a:rPr>
               <a:t>?</a:t>
             </a:r>
-            <a:r>
-              <a:rPr lang="en-US" altLang="zh-TW" sz="1400" dirty="0" smtClean="0">
+          </a:p>
+          <a:p>
+            <a:r>
+              <a:rPr lang="en-US" altLang="zh-TW" sz="1400" dirty="0">
+                <a:solidFill>
+                  <a:srgbClr val="0070C0"/>
+                </a:solidFill>
                 <a:latin typeface="微軟正黑體" panose="020B0604030504040204" pitchFamily="34" charset="-120"/>
                 <a:ea typeface="微軟正黑體" panose="020B0604030504040204" pitchFamily="34" charset="-120"/>
               </a:rPr>
               <a:t> </a:t>
             </a:r>
+            <a:r>
+              <a:rPr lang="en-US" altLang="zh-TW" sz="1400" dirty="0" smtClean="0">
+                <a:solidFill>
+                  <a:srgbClr val="0070C0"/>
+                </a:solidFill>
+                <a:latin typeface="微軟正黑體" panose="020B0604030504040204" pitchFamily="34" charset="-120"/>
+                <a:ea typeface="微軟正黑體" panose="020B0604030504040204" pitchFamily="34" charset="-120"/>
+              </a:rPr>
+              <a:t>   =&gt;</a:t>
+            </a:r>
+            <a:r>
+              <a:rPr lang="zh-TW" altLang="en-US" sz="1400" dirty="0" smtClean="0">
+                <a:solidFill>
+                  <a:srgbClr val="0070C0"/>
+                </a:solidFill>
+                <a:latin typeface="微軟正黑體" panose="020B0604030504040204" pitchFamily="34" charset="-120"/>
+                <a:ea typeface="微軟正黑體" panose="020B0604030504040204" pitchFamily="34" charset="-120"/>
+              </a:rPr>
+              <a:t>決議</a:t>
+            </a:r>
+            <a:r>
+              <a:rPr lang="zh-TW" altLang="en-US" sz="1400" dirty="0">
+                <a:solidFill>
+                  <a:srgbClr val="0070C0"/>
+                </a:solidFill>
+                <a:latin typeface="微軟正黑體" panose="020B0604030504040204" pitchFamily="34" charset="-120"/>
+                <a:ea typeface="微軟正黑體" panose="020B0604030504040204" pitchFamily="34" charset="-120"/>
+              </a:rPr>
+              <a:t>：</a:t>
+            </a:r>
+            <a:r>
+              <a:rPr lang="en-US" altLang="zh-TW" sz="1400" dirty="0" smtClean="0">
+                <a:solidFill>
+                  <a:srgbClr val="0070C0"/>
+                </a:solidFill>
+                <a:latin typeface="微軟正黑體" panose="020B0604030504040204" pitchFamily="34" charset="-120"/>
+                <a:ea typeface="微軟正黑體" panose="020B0604030504040204" pitchFamily="34" charset="-120"/>
+              </a:rPr>
+              <a:t>[</a:t>
+            </a:r>
+            <a:r>
+              <a:rPr lang="zh-TW" altLang="en-US" sz="1400" dirty="0" smtClean="0">
+                <a:solidFill>
+                  <a:srgbClr val="0070C0"/>
+                </a:solidFill>
+                <a:latin typeface="微軟正黑體" panose="020B0604030504040204" pitchFamily="34" charset="-120"/>
+                <a:ea typeface="微軟正黑體" panose="020B0604030504040204" pitchFamily="34" charset="-120"/>
+              </a:rPr>
+              <a:t>直接駐留元件</a:t>
+            </a:r>
+            <a:r>
+              <a:rPr lang="en-US" altLang="zh-TW" sz="1400" dirty="0" smtClean="0">
+                <a:solidFill>
+                  <a:srgbClr val="0070C0"/>
+                </a:solidFill>
+                <a:latin typeface="微軟正黑體" panose="020B0604030504040204" pitchFamily="34" charset="-120"/>
+                <a:ea typeface="微軟正黑體" panose="020B0604030504040204" pitchFamily="34" charset="-120"/>
+              </a:rPr>
+              <a:t>]</a:t>
+            </a:r>
+            <a:r>
+              <a:rPr lang="en-US" altLang="zh-TW" sz="1400" dirty="0" smtClean="0">
+                <a:latin typeface="微軟正黑體" panose="020B0604030504040204" pitchFamily="34" charset="-120"/>
+                <a:ea typeface="微軟正黑體" panose="020B0604030504040204" pitchFamily="34" charset="-120"/>
+              </a:rPr>
+              <a:t> </a:t>
+            </a:r>
+            <a:endParaRPr lang="en-US" altLang="zh-TW" sz="1400" dirty="0" smtClean="0">
+              <a:latin typeface="微軟正黑體" panose="020B0604030504040204" pitchFamily="34" charset="-120"/>
+              <a:ea typeface="微軟正黑體" panose="020B0604030504040204" pitchFamily="34" charset="-120"/>
+            </a:endParaRPr>
           </a:p>
           <a:p>
             <a:r>
